--- a/DOC/Practica Laboral 3er año.pptx
+++ b/DOC/Practica Laboral 3er año.pptx
@@ -21,6 +21,7 @@
     <p:sldId id="269" r:id="rId16"/>
     <p:sldId id="270" r:id="rId17"/>
     <p:sldId id="271" r:id="rId18"/>
+    <p:sldId id="272" r:id="rId19"/>
   </p:sldIdLst>
   <p:sldSz cx="9144000" cy="5143500" type="screen16x9"/>
   <p:notesSz cx="9144000" cy="5143500"/>
@@ -10434,6 +10435,237 @@
       </p:grpSpPr>
       <p:grpSp>
         <p:nvGrpSpPr>
+          <p:cNvPr id="617556976" name="Group 2"/>
+          <p:cNvGrpSpPr/>
+          <p:nvPr/>
+        </p:nvGrpSpPr>
+        <p:grpSpPr bwMode="auto">
+          <a:xfrm>
+            <a:off x="0" y="0"/>
+            <a:ext cx="9173396" cy="650250"/>
+            <a:chOff x="0" y="0"/>
+            <a:chExt cx="10076396" cy="867600"/>
+          </a:xfrm>
+        </p:grpSpPr>
+        <p:pic>
+          <p:nvPicPr>
+            <p:cNvPr id="1904837892" name="Picture 3"/>
+            <p:cNvPicPr/>
+            <p:nvPr/>
+          </p:nvPicPr>
+          <p:blipFill>
+            <a:blip r:embed="rId2"/>
+            <a:stretch/>
+          </p:blipFill>
+          <p:spPr bwMode="auto">
+            <a:xfrm>
+              <a:off x="2991960" y="0"/>
+              <a:ext cx="7084440" cy="867600"/>
+            </a:xfrm>
+            <a:prstGeom prst="rect">
+              <a:avLst/>
+            </a:prstGeom>
+            <a:ln w="0">
+              <a:noFill/>
+            </a:ln>
+          </p:spPr>
+        </p:pic>
+        <p:pic>
+          <p:nvPicPr>
+            <p:cNvPr id="357359228" name="Picture 6" descr="D:\Diseño\power point\Sin título-1.png"/>
+            <p:cNvPicPr/>
+            <p:nvPr/>
+          </p:nvPicPr>
+          <p:blipFill>
+            <a:blip r:embed="rId3"/>
+            <a:stretch/>
+          </p:blipFill>
+          <p:spPr bwMode="auto">
+            <a:xfrm>
+              <a:off x="0" y="49676"/>
+              <a:ext cx="2941920" cy="711360"/>
+            </a:xfrm>
+            <a:prstGeom prst="rect">
+              <a:avLst/>
+            </a:prstGeom>
+            <a:ln w="0">
+              <a:noFill/>
+            </a:ln>
+          </p:spPr>
+        </p:pic>
+      </p:grpSp>
+      <p:sp>
+        <p:nvSpPr>
+          <p:cNvPr id="1086089194" name="Google Shape;137;p20"/>
+          <p:cNvSpPr txBox="1">
+            <a:spLocks noGrp="1"/>
+          </p:cNvSpPr>
+          <p:nvPr>
+            <p:ph type="title"/>
+          </p:nvPr>
+        </p:nvSpPr>
+        <p:spPr bwMode="auto">
+          <a:xfrm flipH="0" flipV="0">
+            <a:off x="2733377" y="-1143"/>
+            <a:ext cx="6407895" cy="627072"/>
+          </a:xfrm>
+          <a:prstGeom prst="rect">
+            <a:avLst/>
+          </a:prstGeom>
+        </p:spPr>
+        <p:txBody>
+          <a:bodyPr spcFirstLastPara="1" wrap="square" lIns="91422" tIns="91422" rIns="91422" bIns="91422" anchor="ctr" anchorCtr="0">
+            <a:noAutofit/>
+          </a:bodyPr>
+          <a:lstStyle/>
+          <a:p>
+            <a:pPr marL="0" lvl="0" indent="0" algn="ctr">
+              <a:spcBef>
+                <a:spcPts val="0"/>
+              </a:spcBef>
+              <a:spcAft>
+                <a:spcPts val="0"/>
+              </a:spcAft>
+              <a:buNone/>
+              <a:defRPr/>
+            </a:pPr>
+            <a:r>
+              <a:rPr lang="es" sz="2200" b="1" i="0" u="none" strike="noStrike" cap="none" spc="0">
+                <a:solidFill>
+                  <a:schemeClr val="bg1"/>
+                </a:solidFill>
+                <a:latin typeface="Montserrat"/>
+                <a:ea typeface="Montserrat"/>
+                <a:cs typeface="Montserrat"/>
+              </a:rPr>
+              <a:t>Propuesta de Interfaces.</a:t>
+            </a:r>
+            <a:endParaRPr sz="2200">
+              <a:solidFill>
+                <a:schemeClr val="bg1"/>
+              </a:solidFill>
+              <a:latin typeface="Montserrat"/>
+              <a:ea typeface="Montserrat"/>
+              <a:cs typeface="Montserrat"/>
+            </a:endParaRPr>
+          </a:p>
+        </p:txBody>
+      </p:sp>
+      <p:pic>
+        <p:nvPicPr>
+          <p:cNvPr id="1948424202" name=""/>
+          <p:cNvPicPr>
+            <a:picLocks noChangeAspect="1"/>
+          </p:cNvPicPr>
+          <p:nvPr/>
+        </p:nvPicPr>
+        <p:blipFill>
+          <a:blip r:embed="rId4"/>
+          <a:stretch/>
+        </p:blipFill>
+        <p:spPr bwMode="auto">
+          <a:xfrm flipH="0" flipV="0">
+            <a:off x="4740437" y="747370"/>
+            <a:ext cx="3508374" cy="3946923"/>
+          </a:xfrm>
+          <a:prstGeom prst="rect">
+            <a:avLst/>
+          </a:prstGeom>
+        </p:spPr>
+      </p:pic>
+      <p:pic>
+        <p:nvPicPr>
+          <p:cNvPr id="78899694" name=""/>
+          <p:cNvPicPr>
+            <a:picLocks noChangeAspect="1"/>
+          </p:cNvPicPr>
+          <p:nvPr/>
+        </p:nvPicPr>
+        <p:blipFill>
+          <a:blip r:embed="rId5"/>
+          <a:stretch/>
+        </p:blipFill>
+        <p:spPr bwMode="auto">
+          <a:xfrm flipH="0" flipV="0">
+            <a:off x="743856" y="747370"/>
+            <a:ext cx="3514272" cy="3953558"/>
+          </a:xfrm>
+          <a:prstGeom prst="rect">
+            <a:avLst/>
+          </a:prstGeom>
+        </p:spPr>
+      </p:pic>
+      <p:sp>
+        <p:nvSpPr>
+          <p:cNvPr id="1166506381" name=""/>
+          <p:cNvSpPr txBox="1"/>
+          <p:nvPr/>
+        </p:nvSpPr>
+        <p:spPr bwMode="auto">
+          <a:xfrm flipH="0" flipV="0">
+            <a:off x="4480380" y="2419349"/>
+            <a:ext cx="183240" cy="304799"/>
+          </a:xfrm>
+          <a:prstGeom prst="rect">
+            <a:avLst/>
+          </a:prstGeom>
+          <a:noFill/>
+        </p:spPr>
+        <p:txBody>
+          <a:bodyPr vertOverflow="overflow" horzOverflow="overflow" vert="horz" wrap="square" lIns="91440" tIns="45720" rIns="91440" bIns="45720" numCol="1" spcCol="0" rtlCol="0" fromWordArt="0" anchor="t" anchorCtr="0" forceAA="0" upright="0" compatLnSpc="0">
+            <a:spAutoFit/>
+          </a:bodyPr>
+          <a:p>
+            <a:pPr algn="l">
+              <a:defRPr/>
+            </a:pPr>
+            <a:r>
+              <a:rPr/>
+              <a:t>     </a:t>
+            </a:r>
+            <a:r>
+              <a:rPr/>
+              <a:t>    </a:t>
+            </a:r>
+            <a:endParaRPr/>
+          </a:p>
+        </p:txBody>
+      </p:sp>
+    </p:spTree>
+  </p:cSld>
+  <p:clrMapOvr>
+    <a:masterClrMapping/>
+  </p:clrMapOvr>
+  <mc:AlternateContent xmlns:mc="http://schemas.openxmlformats.org/markup-compatibility/2006">
+    <mc:Choice xmlns:p14="http://schemas.microsoft.com/office/powerpoint/2010/main" Requires="p14">
+      <p:transition p14:dur="2000" advClick="1"/>
+    </mc:Choice>
+    <mc:Fallback>
+      <p:transition advClick="1"/>
+    </mc:Fallback>
+  </mc:AlternateContent>
+</p:sld>
+</file>
+
+<file path=ppt/slides/slide11.xml><?xml version="1.0" encoding="utf-8"?>
+<p:sld xmlns:a="http://schemas.openxmlformats.org/drawingml/2006/main" xmlns:r="http://schemas.openxmlformats.org/officeDocument/2006/relationships" xmlns:p="http://schemas.openxmlformats.org/presentationml/2006/main" xmlns:m="http://schemas.openxmlformats.org/officeDocument/2006/math" xmlns:w="http://schemas.openxmlformats.org/wordprocessingml/2006/main" showMasterPhAnim="0" show="1">
+  <p:cSld name="">
+    <p:spTree>
+      <p:nvGrpSpPr>
+        <p:cNvPr id="1" name=""/>
+        <p:cNvGrpSpPr/>
+        <p:nvPr/>
+      </p:nvGrpSpPr>
+      <p:grpSpPr bwMode="auto">
+        <a:xfrm>
+          <a:off x="0" y="0"/>
+          <a:ext cx="0" cy="0"/>
+          <a:chOff x="0" y="0"/>
+          <a:chExt cx="0" cy="0"/>
+        </a:xfrm>
+      </p:grpSpPr>
+      <p:grpSp>
+        <p:nvGrpSpPr>
           <p:cNvPr id="1845566336" name="Group 2"/>
           <p:cNvGrpSpPr/>
           <p:nvPr/>
@@ -10601,7 +10833,7 @@
         </p:blipFill>
         <p:spPr bwMode="auto">
           <a:xfrm rot="0" flipH="0" flipV="0">
-            <a:off x="263686" y="800830"/>
+            <a:off x="263686" y="800829"/>
             <a:ext cx="8682503" cy="3846634"/>
           </a:xfrm>
           <a:prstGeom prst="rect">
@@ -10625,7 +10857,7 @@
 </p:sld>
 </file>
 
-<file path=ppt/slides/slide11.xml><?xml version="1.0" encoding="utf-8"?>
+<file path=ppt/slides/slide12.xml><?xml version="1.0" encoding="utf-8"?>
 <p:sld xmlns:a="http://schemas.openxmlformats.org/drawingml/2006/main" xmlns:r="http://schemas.openxmlformats.org/officeDocument/2006/relationships" xmlns:p="http://schemas.openxmlformats.org/presentationml/2006/main" xmlns:m="http://schemas.openxmlformats.org/officeDocument/2006/math" xmlns:w="http://schemas.openxmlformats.org/wordprocessingml/2006/main" showMasterPhAnim="0" show="1">
   <p:cSld name="">
     <p:spTree>
@@ -10835,7 +11067,7 @@
 </p:sld>
 </file>
 
-<file path=ppt/slides/slide12.xml><?xml version="1.0" encoding="utf-8"?>
+<file path=ppt/slides/slide13.xml><?xml version="1.0" encoding="utf-8"?>
 <p:sld xmlns:a="http://schemas.openxmlformats.org/drawingml/2006/main" xmlns:r="http://schemas.openxmlformats.org/officeDocument/2006/relationships" xmlns:p="http://schemas.openxmlformats.org/presentationml/2006/main" xmlns:m="http://schemas.openxmlformats.org/officeDocument/2006/math" xmlns:w="http://schemas.openxmlformats.org/wordprocessingml/2006/main" showMasterPhAnim="0" show="1">
   <p:cSld name="">
     <p:bg>
@@ -11971,6 +12203,7 @@
                     </a:lnT>
                     <a:lnB w="12700" algn="ctr">
                       <a:noFill/>
+                      <a:round/>
                     </a:lnB>
                   </a:tcPr>
                 </a:tc>
@@ -14763,7 +14996,7 @@
 </p:sld>
 </file>
 
-<file path=ppt/slides/slide13.xml><?xml version="1.0" encoding="utf-8"?>
+<file path=ppt/slides/slide14.xml><?xml version="1.0" encoding="utf-8"?>
 <p:sld xmlns:a="http://schemas.openxmlformats.org/drawingml/2006/main" xmlns:r="http://schemas.openxmlformats.org/officeDocument/2006/relationships" xmlns:p="http://schemas.openxmlformats.org/presentationml/2006/main" xmlns:m="http://schemas.openxmlformats.org/officeDocument/2006/math" xmlns:w="http://schemas.openxmlformats.org/wordprocessingml/2006/main" showMasterPhAnim="0" show="1">
   <p:cSld name="">
     <p:spTree>
@@ -16680,7 +16913,7 @@
 </p:sld>
 </file>
 
-<file path=ppt/slides/slide14.xml><?xml version="1.0" encoding="utf-8"?>
+<file path=ppt/slides/slide15.xml><?xml version="1.0" encoding="utf-8"?>
 <p:sld xmlns:a="http://schemas.openxmlformats.org/drawingml/2006/main" xmlns:r="http://schemas.openxmlformats.org/officeDocument/2006/relationships" xmlns:p="http://schemas.openxmlformats.org/presentationml/2006/main" xmlns:m="http://schemas.openxmlformats.org/officeDocument/2006/math" xmlns:w="http://schemas.openxmlformats.org/wordprocessingml/2006/main" showMasterPhAnim="0" show="1">
   <p:cSld name="">
     <p:spTree>
@@ -16889,7 +17122,7 @@
 </p:sld>
 </file>
 
-<file path=ppt/slides/slide15.xml><?xml version="1.0" encoding="utf-8"?>
+<file path=ppt/slides/slide16.xml><?xml version="1.0" encoding="utf-8"?>
 <p:sld xmlns:a="http://schemas.openxmlformats.org/drawingml/2006/main" xmlns:r="http://schemas.openxmlformats.org/officeDocument/2006/relationships" xmlns:p="http://schemas.openxmlformats.org/presentationml/2006/main" xmlns:m="http://schemas.openxmlformats.org/officeDocument/2006/math" xmlns:w="http://schemas.openxmlformats.org/wordprocessingml/2006/main" showMasterPhAnim="0" show="1">
   <p:cSld name="">
     <p:spTree>
@@ -17195,7 +17428,7 @@
 </p:sld>
 </file>
 
-<file path=ppt/slides/slide16.xml><?xml version="1.0" encoding="utf-8"?>
+<file path=ppt/slides/slide17.xml><?xml version="1.0" encoding="utf-8"?>
 <p:sld xmlns:a="http://schemas.openxmlformats.org/drawingml/2006/main" xmlns:r="http://schemas.openxmlformats.org/officeDocument/2006/relationships" xmlns:p="http://schemas.openxmlformats.org/presentationml/2006/main" xmlns:m="http://schemas.openxmlformats.org/officeDocument/2006/math" xmlns:w="http://schemas.openxmlformats.org/wordprocessingml/2006/main" showMasterPhAnim="0" show="1">
   <p:cSld name="">
     <p:spTree>
@@ -17994,7 +18227,7 @@
                 <a:ea typeface="Montserrat"/>
                 <a:cs typeface="Montserrat"/>
               </a:rPr>
-              <a:t>Requisitos Funcionales</a:t>
+              <a:t>Requisitos Funcionales: Frontend</a:t>
             </a:r>
             <a:endParaRPr sz="2200">
               <a:solidFill>
@@ -18173,7 +18406,7 @@
                 <a:ea typeface="Lato"/>
                 <a:cs typeface="Lato"/>
               </a:rPr>
-              <a:t>RF 6-	Crear, editar, visualizar, eliminar y probar asistentes virtuales</a:t>
+              <a:t>RF 6-	Crear, editar, visualizar, buscar, eliminar y probar asistentes virtuales</a:t>
             </a:r>
             <a:endParaRPr lang="en-US" sz="2000" b="0" i="0" u="none" strike="noStrike" cap="none" spc="0">
               <a:solidFill>
@@ -18215,6 +18448,384 @@
 </file>
 
 <file path=ppt/slides/slide4.xml><?xml version="1.0" encoding="utf-8"?>
+<p:sld xmlns:a="http://schemas.openxmlformats.org/drawingml/2006/main" xmlns:r="http://schemas.openxmlformats.org/officeDocument/2006/relationships" xmlns:p="http://schemas.openxmlformats.org/presentationml/2006/main" xmlns:m="http://schemas.openxmlformats.org/officeDocument/2006/math" xmlns:w="http://schemas.openxmlformats.org/wordprocessingml/2006/main" showMasterPhAnim="0" show="1">
+  <p:cSld name="">
+    <p:spTree>
+      <p:nvGrpSpPr>
+        <p:cNvPr id="1" name=""/>
+        <p:cNvGrpSpPr/>
+        <p:nvPr/>
+      </p:nvGrpSpPr>
+      <p:grpSpPr bwMode="auto">
+        <a:xfrm>
+          <a:off x="0" y="0"/>
+          <a:ext cx="0" cy="0"/>
+          <a:chOff x="0" y="0"/>
+          <a:chExt cx="0" cy="0"/>
+        </a:xfrm>
+      </p:grpSpPr>
+      <p:grpSp>
+        <p:nvGrpSpPr>
+          <p:cNvPr id="765111453" name="Group 2"/>
+          <p:cNvGrpSpPr/>
+          <p:nvPr/>
+        </p:nvGrpSpPr>
+        <p:grpSpPr bwMode="auto">
+          <a:xfrm>
+            <a:off x="0" y="0"/>
+            <a:ext cx="9173396" cy="650250"/>
+            <a:chOff x="0" y="0"/>
+            <a:chExt cx="10076396" cy="867600"/>
+          </a:xfrm>
+        </p:grpSpPr>
+        <p:pic>
+          <p:nvPicPr>
+            <p:cNvPr id="1999749473" name="Picture 3"/>
+            <p:cNvPicPr/>
+            <p:nvPr/>
+          </p:nvPicPr>
+          <p:blipFill>
+            <a:blip r:embed="rId2"/>
+            <a:stretch/>
+          </p:blipFill>
+          <p:spPr bwMode="auto">
+            <a:xfrm>
+              <a:off x="2991960" y="0"/>
+              <a:ext cx="7084440" cy="867600"/>
+            </a:xfrm>
+            <a:prstGeom prst="rect">
+              <a:avLst/>
+            </a:prstGeom>
+            <a:ln w="0">
+              <a:noFill/>
+            </a:ln>
+          </p:spPr>
+        </p:pic>
+        <p:pic>
+          <p:nvPicPr>
+            <p:cNvPr id="582867127" name="Picture 6" descr="D:\Diseño\power point\Sin título-1.png"/>
+            <p:cNvPicPr/>
+            <p:nvPr/>
+          </p:nvPicPr>
+          <p:blipFill>
+            <a:blip r:embed="rId3"/>
+            <a:stretch/>
+          </p:blipFill>
+          <p:spPr bwMode="auto">
+            <a:xfrm>
+              <a:off x="0" y="49676"/>
+              <a:ext cx="2941920" cy="711360"/>
+            </a:xfrm>
+            <a:prstGeom prst="rect">
+              <a:avLst/>
+            </a:prstGeom>
+            <a:ln w="0">
+              <a:noFill/>
+            </a:ln>
+          </p:spPr>
+        </p:pic>
+      </p:grpSp>
+      <p:sp>
+        <p:nvSpPr>
+          <p:cNvPr id="462042252" name="Google Shape;137;p20"/>
+          <p:cNvSpPr txBox="1">
+            <a:spLocks noGrp="1"/>
+          </p:cNvSpPr>
+          <p:nvPr>
+            <p:ph type="title"/>
+          </p:nvPr>
+        </p:nvSpPr>
+        <p:spPr bwMode="auto">
+          <a:xfrm flipH="0" flipV="0">
+            <a:off x="2733378" y="-1143"/>
+            <a:ext cx="6478266" cy="627073"/>
+          </a:xfrm>
+          <a:prstGeom prst="rect">
+            <a:avLst/>
+          </a:prstGeom>
+        </p:spPr>
+        <p:txBody>
+          <a:bodyPr spcFirstLastPara="1" wrap="square" lIns="91422" tIns="91422" rIns="91422" bIns="91422" anchor="ctr" anchorCtr="0">
+            <a:noAutofit/>
+          </a:bodyPr>
+          <a:lstStyle/>
+          <a:p>
+            <a:pPr marL="0" lvl="0" indent="0" algn="ctr">
+              <a:spcBef>
+                <a:spcPts val="0"/>
+              </a:spcBef>
+              <a:spcAft>
+                <a:spcPts val="0"/>
+              </a:spcAft>
+              <a:buNone/>
+              <a:defRPr/>
+            </a:pPr>
+            <a:r>
+              <a:rPr lang="es" sz="2200" b="1" i="0" u="none" strike="noStrike" cap="none" spc="0">
+                <a:solidFill>
+                  <a:schemeClr val="bg1"/>
+                </a:solidFill>
+                <a:latin typeface="Montserrat"/>
+                <a:ea typeface="Montserrat"/>
+                <a:cs typeface="Montserrat"/>
+              </a:rPr>
+              <a:t>Requisitos Funcionales: Backend</a:t>
+            </a:r>
+            <a:endParaRPr sz="2200">
+              <a:solidFill>
+                <a:schemeClr val="bg1"/>
+              </a:solidFill>
+              <a:latin typeface="Montserrat"/>
+              <a:ea typeface="Montserrat"/>
+              <a:cs typeface="Montserrat"/>
+            </a:endParaRPr>
+          </a:p>
+        </p:txBody>
+      </p:sp>
+      <p:sp>
+        <p:nvSpPr>
+          <p:cNvPr id="715309057" name="Google Shape;136;p20"/>
+          <p:cNvSpPr txBox="1">
+            <a:spLocks noGrp="1"/>
+          </p:cNvSpPr>
+          <p:nvPr>
+            <p:ph type="subTitle" idx="1"/>
+          </p:nvPr>
+        </p:nvSpPr>
+        <p:spPr bwMode="auto">
+          <a:xfrm flipH="0" flipV="0">
+            <a:off x="399250" y="987471"/>
+            <a:ext cx="8345493" cy="4217095"/>
+          </a:xfrm>
+          <a:prstGeom prst="rect">
+            <a:avLst/>
+          </a:prstGeom>
+        </p:spPr>
+        <p:txBody>
+          <a:bodyPr spcFirstLastPara="1" wrap="square" lIns="91422" tIns="91422" rIns="91422" bIns="91422" anchor="t" anchorCtr="0">
+            <a:noAutofit/>
+          </a:bodyPr>
+          <a:lstStyle/>
+          <a:p>
+            <a:pPr>
+              <a:defRPr/>
+            </a:pPr>
+            <a:r>
+              <a:rPr lang="en-US" sz="2000" b="0" i="0" u="none" strike="noStrike" cap="none" spc="0">
+                <a:solidFill>
+                  <a:schemeClr val="accent1"/>
+                </a:solidFill>
+                <a:latin typeface="Lato"/>
+                <a:ea typeface="Lato"/>
+                <a:cs typeface="Lato"/>
+              </a:rPr>
+              <a:t>RF 1- Registro de el usuario usando su correo electrónico</a:t>
+            </a:r>
+            <a:endParaRPr lang="en-US" sz="2000" b="0" i="0" u="none" strike="noStrike" cap="none" spc="0">
+              <a:solidFill>
+                <a:schemeClr val="accent1"/>
+              </a:solidFill>
+              <a:latin typeface="Lato"/>
+              <a:cs typeface="Lato"/>
+            </a:endParaRPr>
+          </a:p>
+          <a:p>
+            <a:pPr>
+              <a:defRPr/>
+            </a:pPr>
+            <a:r>
+              <a:rPr lang="en-US" sz="2000" b="0" i="0" u="none" strike="noStrike" cap="none" spc="0">
+                <a:solidFill>
+                  <a:schemeClr val="accent1"/>
+                </a:solidFill>
+                <a:latin typeface="Lato"/>
+                <a:ea typeface="Lato"/>
+                <a:cs typeface="Lato"/>
+              </a:rPr>
+              <a:t>RF 2- </a:t>
+            </a:r>
+            <a:r>
+              <a:rPr lang="en-US" sz="2000" b="0" i="0" u="none" strike="noStrike" cap="none" spc="0">
+                <a:solidFill>
+                  <a:schemeClr val="accent1"/>
+                </a:solidFill>
+                <a:latin typeface="Lato"/>
+                <a:ea typeface="Lato"/>
+                <a:cs typeface="Lato"/>
+              </a:rPr>
+              <a:t>Inicio de  sesión en el sistema tanto con el correo electrónico, como con su cuenta de google o facebook del usuario.</a:t>
+            </a:r>
+            <a:endParaRPr lang="en-US" sz="2000" b="0" i="0" u="none" strike="noStrike" cap="none" spc="0">
+              <a:solidFill>
+                <a:schemeClr val="accent1"/>
+              </a:solidFill>
+              <a:latin typeface="Lato"/>
+              <a:cs typeface="Lato"/>
+            </a:endParaRPr>
+          </a:p>
+          <a:p>
+            <a:pPr>
+              <a:defRPr/>
+            </a:pPr>
+            <a:r>
+              <a:rPr lang="en-US" sz="2000" b="0" i="0" u="none" strike="noStrike" cap="none" spc="0">
+                <a:solidFill>
+                  <a:schemeClr val="accent1"/>
+                </a:solidFill>
+                <a:latin typeface="Lato"/>
+                <a:ea typeface="Lato"/>
+                <a:cs typeface="Lato"/>
+              </a:rPr>
+              <a:t>RF 3- Generación de preguntas </a:t>
+            </a:r>
+            <a:endParaRPr lang="en-US" sz="2000" b="0" i="0" u="none" strike="noStrike" cap="none" spc="0">
+              <a:solidFill>
+                <a:schemeClr val="accent1"/>
+              </a:solidFill>
+              <a:latin typeface="Lato"/>
+              <a:ea typeface="Lato"/>
+              <a:cs typeface="Lato"/>
+            </a:endParaRPr>
+          </a:p>
+          <a:p>
+            <a:pPr>
+              <a:defRPr/>
+            </a:pPr>
+            <a:r>
+              <a:rPr lang="en-US" sz="2000" b="0" i="0" u="none" strike="noStrike" cap="none" spc="0">
+                <a:solidFill>
+                  <a:schemeClr val="accent1"/>
+                </a:solidFill>
+                <a:latin typeface="Lato"/>
+                <a:ea typeface="Lato"/>
+                <a:cs typeface="Lato"/>
+              </a:rPr>
+              <a:t>RF 4- Evaluación de las preguntas generadas</a:t>
+            </a:r>
+            <a:endParaRPr lang="en-US" sz="2000" b="0" i="0" u="none" strike="noStrike" cap="none" spc="0">
+              <a:solidFill>
+                <a:schemeClr val="accent1"/>
+              </a:solidFill>
+              <a:latin typeface="Lato"/>
+              <a:ea typeface="Lato"/>
+              <a:cs typeface="Lato"/>
+            </a:endParaRPr>
+          </a:p>
+          <a:p>
+            <a:pPr>
+              <a:defRPr/>
+            </a:pPr>
+            <a:r>
+              <a:rPr lang="en-US" sz="2000" b="0" i="0" u="none" strike="noStrike" cap="none" spc="0">
+                <a:solidFill>
+                  <a:schemeClr val="accent1"/>
+                </a:solidFill>
+                <a:latin typeface="Lato"/>
+                <a:ea typeface="Lato"/>
+                <a:cs typeface="Lato"/>
+              </a:rPr>
+              <a:t>RF 5- Generación de respuestas</a:t>
+            </a:r>
+            <a:endParaRPr lang="en-US" sz="2000" b="0" i="0" u="none" strike="noStrike" cap="none" spc="0">
+              <a:solidFill>
+                <a:schemeClr val="accent1"/>
+              </a:solidFill>
+              <a:latin typeface="Lato"/>
+              <a:ea typeface="Lato"/>
+              <a:cs typeface="Lato"/>
+            </a:endParaRPr>
+          </a:p>
+          <a:p>
+            <a:pPr>
+              <a:defRPr/>
+            </a:pPr>
+            <a:r>
+              <a:rPr lang="en-US" sz="2000" b="0" i="0" u="none" strike="noStrike" cap="none" spc="0">
+                <a:solidFill>
+                  <a:schemeClr val="accent1"/>
+                </a:solidFill>
+                <a:latin typeface="Lato"/>
+                <a:ea typeface="Lato"/>
+                <a:cs typeface="Lato"/>
+              </a:rPr>
+              <a:t>RF 6- Generar los archivos de conocimiento para el asistente virtual.</a:t>
+            </a:r>
+            <a:endParaRPr lang="en-US" sz="2000" b="0" i="0" u="none" strike="noStrike" cap="none" spc="0">
+              <a:solidFill>
+                <a:schemeClr val="accent1"/>
+              </a:solidFill>
+              <a:latin typeface="Lato"/>
+              <a:ea typeface="Lato"/>
+              <a:cs typeface="Lato"/>
+            </a:endParaRPr>
+          </a:p>
+          <a:p>
+            <a:pPr>
+              <a:defRPr/>
+            </a:pPr>
+            <a:r>
+              <a:rPr lang="en-US" sz="2000" b="0" i="0" u="none" strike="noStrike" cap="none" spc="0">
+                <a:solidFill>
+                  <a:schemeClr val="accent1"/>
+                </a:solidFill>
+                <a:latin typeface="Lato"/>
+                <a:ea typeface="Lato"/>
+                <a:cs typeface="Lato"/>
+              </a:rPr>
+              <a:t>RF 7- Entrenar asistente</a:t>
+            </a:r>
+            <a:endParaRPr lang="en-US" sz="2000" b="0" i="0" u="none" strike="noStrike" cap="none" spc="0">
+              <a:solidFill>
+                <a:schemeClr val="accent1"/>
+              </a:solidFill>
+              <a:latin typeface="Lato"/>
+              <a:ea typeface="Lato"/>
+              <a:cs typeface="Lato"/>
+            </a:endParaRPr>
+          </a:p>
+          <a:p>
+            <a:pPr>
+              <a:defRPr/>
+            </a:pPr>
+            <a:r>
+              <a:rPr lang="en-US" sz="2000" b="0" i="0" u="none" strike="noStrike" cap="none" spc="0">
+                <a:solidFill>
+                  <a:schemeClr val="accent1"/>
+                </a:solidFill>
+                <a:latin typeface="Lato"/>
+                <a:ea typeface="Lato"/>
+                <a:cs typeface="Lato"/>
+              </a:rPr>
+              <a:t>RF 8-	Crear, editar, eliminar y probar asistentes virtuales</a:t>
+            </a:r>
+            <a:endParaRPr lang="en-US" sz="2000" b="0" i="0" u="none" strike="noStrike" cap="none" spc="0">
+              <a:solidFill>
+                <a:schemeClr val="accent1"/>
+              </a:solidFill>
+              <a:latin typeface="Lato"/>
+              <a:ea typeface="Lato"/>
+              <a:cs typeface="Lato"/>
+            </a:endParaRPr>
+          </a:p>
+        </p:txBody>
+      </p:sp>
+    </p:spTree>
+  </p:cSld>
+  <p:clrMapOvr>
+    <a:masterClrMapping/>
+  </p:clrMapOvr>
+  <mc:AlternateContent xmlns:mc="http://schemas.openxmlformats.org/markup-compatibility/2006">
+    <mc:Choice xmlns:p14="http://schemas.microsoft.com/office/powerpoint/2010/main" Requires="p14">
+      <p:transition p14:dur="2000" advClick="1"/>
+    </mc:Choice>
+    <mc:Fallback>
+      <p:transition advClick="1"/>
+    </mc:Fallback>
+  </mc:AlternateContent>
+</p:sld>
+</file>
+
+<file path=ppt/slides/slide5.xml><?xml version="1.0" encoding="utf-8"?>
 <p:sld xmlns:a="http://schemas.openxmlformats.org/drawingml/2006/main" xmlns:r="http://schemas.openxmlformats.org/officeDocument/2006/relationships" xmlns:p="http://schemas.openxmlformats.org/presentationml/2006/main" xmlns:m="http://schemas.openxmlformats.org/officeDocument/2006/math" xmlns:w="http://schemas.openxmlformats.org/wordprocessingml/2006/main" showMasterPhAnim="0" show="1">
   <p:cSld name="">
     <p:spTree>
@@ -18387,7 +18998,7 @@
 </p:sld>
 </file>
 
-<file path=ppt/slides/slide5.xml><?xml version="1.0" encoding="utf-8"?>
+<file path=ppt/slides/slide6.xml><?xml version="1.0" encoding="utf-8"?>
 <p:sld xmlns:a="http://schemas.openxmlformats.org/drawingml/2006/main" xmlns:r="http://schemas.openxmlformats.org/officeDocument/2006/relationships" xmlns:p="http://schemas.openxmlformats.org/presentationml/2006/main" xmlns:m="http://schemas.openxmlformats.org/officeDocument/2006/math" xmlns:w="http://schemas.openxmlformats.org/wordprocessingml/2006/main" showMasterPhAnim="0" show="1">
   <p:cSld name="">
     <p:spTree>
@@ -18708,7 +19319,7 @@
 </p:sld>
 </file>
 
-<file path=ppt/slides/slide6.xml><?xml version="1.0" encoding="utf-8"?>
+<file path=ppt/slides/slide7.xml><?xml version="1.0" encoding="utf-8"?>
 <p:sld xmlns:a="http://schemas.openxmlformats.org/drawingml/2006/main" xmlns:r="http://schemas.openxmlformats.org/officeDocument/2006/relationships" xmlns:p="http://schemas.openxmlformats.org/presentationml/2006/main" xmlns:m="http://schemas.openxmlformats.org/officeDocument/2006/math" xmlns:w="http://schemas.openxmlformats.org/wordprocessingml/2006/main" showMasterPhAnim="0" show="1">
   <p:cSld name="">
     <p:spTree>
@@ -18917,7 +19528,7 @@
 </p:sld>
 </file>
 
-<file path=ppt/slides/slide7.xml><?xml version="1.0" encoding="utf-8"?>
+<file path=ppt/slides/slide8.xml><?xml version="1.0" encoding="utf-8"?>
 <p:sld xmlns:a="http://schemas.openxmlformats.org/drawingml/2006/main" xmlns:r="http://schemas.openxmlformats.org/officeDocument/2006/relationships" xmlns:p="http://schemas.openxmlformats.org/presentationml/2006/main" xmlns:m="http://schemas.openxmlformats.org/officeDocument/2006/math" xmlns:w="http://schemas.openxmlformats.org/wordprocessingml/2006/main" showMasterPhAnim="0" show="1">
   <p:cSld name="">
     <p:spTree>
@@ -19126,7 +19737,7 @@
 </p:sld>
 </file>
 
-<file path=ppt/slides/slide8.xml><?xml version="1.0" encoding="utf-8"?>
+<file path=ppt/slides/slide9.xml><?xml version="1.0" encoding="utf-8"?>
 <p:sld xmlns:a="http://schemas.openxmlformats.org/drawingml/2006/main" xmlns:r="http://schemas.openxmlformats.org/officeDocument/2006/relationships" xmlns:p="http://schemas.openxmlformats.org/presentationml/2006/main" xmlns:m="http://schemas.openxmlformats.org/officeDocument/2006/math" xmlns:w="http://schemas.openxmlformats.org/wordprocessingml/2006/main" showMasterPhAnim="0" show="1">
   <p:cSld name="">
     <p:spTree>
@@ -19320,237 +19931,6 @@
           </a:prstGeom>
         </p:spPr>
       </p:pic>
-    </p:spTree>
-  </p:cSld>
-  <p:clrMapOvr>
-    <a:masterClrMapping/>
-  </p:clrMapOvr>
-  <mc:AlternateContent xmlns:mc="http://schemas.openxmlformats.org/markup-compatibility/2006">
-    <mc:Choice xmlns:p14="http://schemas.microsoft.com/office/powerpoint/2010/main" Requires="p14">
-      <p:transition p14:dur="2000" advClick="1"/>
-    </mc:Choice>
-    <mc:Fallback>
-      <p:transition advClick="1"/>
-    </mc:Fallback>
-  </mc:AlternateContent>
-</p:sld>
-</file>
-
-<file path=ppt/slides/slide9.xml><?xml version="1.0" encoding="utf-8"?>
-<p:sld xmlns:a="http://schemas.openxmlformats.org/drawingml/2006/main" xmlns:r="http://schemas.openxmlformats.org/officeDocument/2006/relationships" xmlns:p="http://schemas.openxmlformats.org/presentationml/2006/main" xmlns:m="http://schemas.openxmlformats.org/officeDocument/2006/math" xmlns:w="http://schemas.openxmlformats.org/wordprocessingml/2006/main" showMasterPhAnim="0" show="1">
-  <p:cSld name="">
-    <p:spTree>
-      <p:nvGrpSpPr>
-        <p:cNvPr id="1" name=""/>
-        <p:cNvGrpSpPr/>
-        <p:nvPr/>
-      </p:nvGrpSpPr>
-      <p:grpSpPr bwMode="auto">
-        <a:xfrm>
-          <a:off x="0" y="0"/>
-          <a:ext cx="0" cy="0"/>
-          <a:chOff x="0" y="0"/>
-          <a:chExt cx="0" cy="0"/>
-        </a:xfrm>
-      </p:grpSpPr>
-      <p:grpSp>
-        <p:nvGrpSpPr>
-          <p:cNvPr id="617556976" name="Group 2"/>
-          <p:cNvGrpSpPr/>
-          <p:nvPr/>
-        </p:nvGrpSpPr>
-        <p:grpSpPr bwMode="auto">
-          <a:xfrm>
-            <a:off x="0" y="0"/>
-            <a:ext cx="9173396" cy="650250"/>
-            <a:chOff x="0" y="0"/>
-            <a:chExt cx="10076396" cy="867600"/>
-          </a:xfrm>
-        </p:grpSpPr>
-        <p:pic>
-          <p:nvPicPr>
-            <p:cNvPr id="1904837892" name="Picture 3"/>
-            <p:cNvPicPr/>
-            <p:nvPr/>
-          </p:nvPicPr>
-          <p:blipFill>
-            <a:blip r:embed="rId2"/>
-            <a:stretch/>
-          </p:blipFill>
-          <p:spPr bwMode="auto">
-            <a:xfrm>
-              <a:off x="2991960" y="0"/>
-              <a:ext cx="7084440" cy="867600"/>
-            </a:xfrm>
-            <a:prstGeom prst="rect">
-              <a:avLst/>
-            </a:prstGeom>
-            <a:ln w="0">
-              <a:noFill/>
-            </a:ln>
-          </p:spPr>
-        </p:pic>
-        <p:pic>
-          <p:nvPicPr>
-            <p:cNvPr id="357359228" name="Picture 6" descr="D:\Diseño\power point\Sin título-1.png"/>
-            <p:cNvPicPr/>
-            <p:nvPr/>
-          </p:nvPicPr>
-          <p:blipFill>
-            <a:blip r:embed="rId3"/>
-            <a:stretch/>
-          </p:blipFill>
-          <p:spPr bwMode="auto">
-            <a:xfrm>
-              <a:off x="0" y="49676"/>
-              <a:ext cx="2941920" cy="711360"/>
-            </a:xfrm>
-            <a:prstGeom prst="rect">
-              <a:avLst/>
-            </a:prstGeom>
-            <a:ln w="0">
-              <a:noFill/>
-            </a:ln>
-          </p:spPr>
-        </p:pic>
-      </p:grpSp>
-      <p:sp>
-        <p:nvSpPr>
-          <p:cNvPr id="1086089194" name="Google Shape;137;p20"/>
-          <p:cNvSpPr txBox="1">
-            <a:spLocks noGrp="1"/>
-          </p:cNvSpPr>
-          <p:nvPr>
-            <p:ph type="title"/>
-          </p:nvPr>
-        </p:nvSpPr>
-        <p:spPr bwMode="auto">
-          <a:xfrm flipH="0" flipV="0">
-            <a:off x="2733377" y="-1143"/>
-            <a:ext cx="6407895" cy="627072"/>
-          </a:xfrm>
-          <a:prstGeom prst="rect">
-            <a:avLst/>
-          </a:prstGeom>
-        </p:spPr>
-        <p:txBody>
-          <a:bodyPr spcFirstLastPara="1" wrap="square" lIns="91422" tIns="91422" rIns="91422" bIns="91422" anchor="ctr" anchorCtr="0">
-            <a:noAutofit/>
-          </a:bodyPr>
-          <a:lstStyle/>
-          <a:p>
-            <a:pPr marL="0" lvl="0" indent="0" algn="ctr">
-              <a:spcBef>
-                <a:spcPts val="0"/>
-              </a:spcBef>
-              <a:spcAft>
-                <a:spcPts val="0"/>
-              </a:spcAft>
-              <a:buNone/>
-              <a:defRPr/>
-            </a:pPr>
-            <a:r>
-              <a:rPr lang="es" sz="2200" b="1" i="0" u="none" strike="noStrike" cap="none" spc="0">
-                <a:solidFill>
-                  <a:schemeClr val="bg1"/>
-                </a:solidFill>
-                <a:latin typeface="Montserrat"/>
-                <a:ea typeface="Montserrat"/>
-                <a:cs typeface="Montserrat"/>
-              </a:rPr>
-              <a:t>Propuesta de Interfaces.</a:t>
-            </a:r>
-            <a:endParaRPr sz="2200">
-              <a:solidFill>
-                <a:schemeClr val="bg1"/>
-              </a:solidFill>
-              <a:latin typeface="Montserrat"/>
-              <a:ea typeface="Montserrat"/>
-              <a:cs typeface="Montserrat"/>
-            </a:endParaRPr>
-          </a:p>
-        </p:txBody>
-      </p:sp>
-      <p:pic>
-        <p:nvPicPr>
-          <p:cNvPr id="1948424202" name=""/>
-          <p:cNvPicPr>
-            <a:picLocks noChangeAspect="1"/>
-          </p:cNvPicPr>
-          <p:nvPr/>
-        </p:nvPicPr>
-        <p:blipFill>
-          <a:blip r:embed="rId4"/>
-          <a:stretch/>
-        </p:blipFill>
-        <p:spPr bwMode="auto">
-          <a:xfrm flipH="0" flipV="0">
-            <a:off x="4740437" y="747370"/>
-            <a:ext cx="3508374" cy="3946923"/>
-          </a:xfrm>
-          <a:prstGeom prst="rect">
-            <a:avLst/>
-          </a:prstGeom>
-        </p:spPr>
-      </p:pic>
-      <p:pic>
-        <p:nvPicPr>
-          <p:cNvPr id="78899694" name=""/>
-          <p:cNvPicPr>
-            <a:picLocks noChangeAspect="1"/>
-          </p:cNvPicPr>
-          <p:nvPr/>
-        </p:nvPicPr>
-        <p:blipFill>
-          <a:blip r:embed="rId5"/>
-          <a:stretch/>
-        </p:blipFill>
-        <p:spPr bwMode="auto">
-          <a:xfrm flipH="0" flipV="0">
-            <a:off x="743856" y="747370"/>
-            <a:ext cx="3514272" cy="3953558"/>
-          </a:xfrm>
-          <a:prstGeom prst="rect">
-            <a:avLst/>
-          </a:prstGeom>
-        </p:spPr>
-      </p:pic>
-      <p:sp>
-        <p:nvSpPr>
-          <p:cNvPr id="1166506381" name=""/>
-          <p:cNvSpPr txBox="1"/>
-          <p:nvPr/>
-        </p:nvSpPr>
-        <p:spPr bwMode="auto">
-          <a:xfrm flipH="0" flipV="0">
-            <a:off x="4480380" y="2419349"/>
-            <a:ext cx="183240" cy="304799"/>
-          </a:xfrm>
-          <a:prstGeom prst="rect">
-            <a:avLst/>
-          </a:prstGeom>
-          <a:noFill/>
-        </p:spPr>
-        <p:txBody>
-          <a:bodyPr vertOverflow="overflow" horzOverflow="overflow" vert="horz" wrap="square" lIns="91440" tIns="45720" rIns="91440" bIns="45720" numCol="1" spcCol="0" rtlCol="0" fromWordArt="0" anchor="t" anchorCtr="0" forceAA="0" upright="0" compatLnSpc="0">
-            <a:spAutoFit/>
-          </a:bodyPr>
-          <a:p>
-            <a:pPr algn="l">
-              <a:defRPr/>
-            </a:pPr>
-            <a:r>
-              <a:rPr/>
-              <a:t>     </a:t>
-            </a:r>
-            <a:r>
-              <a:rPr/>
-              <a:t>    </a:t>
-            </a:r>
-            <a:endParaRPr/>
-          </a:p>
-        </p:txBody>
-      </p:sp>
     </p:spTree>
   </p:cSld>
   <p:clrMapOvr>
